--- a/2021-04-12to04-16 (A5) C53517 SoftMARS/30_03v01_MarsBaseAlpha_FinalFindings.pptx
+++ b/2021-04-12to04-16 (A5) C53517 SoftMARS/30_03v01_MarsBaseAlpha_FinalFindings.pptx
@@ -294,7 +294,7 @@
           <a:p>
             <a:fld id="{F319E496-E8FF-4856-B08F-DBE14D18B236}" type="datetimeFigureOut">
               <a:rPr lang="en-US" smtClean="0"/>
-              <a:t>2/14/2021</a:t>
+              <a:t>2/15/2021</a:t>
             </a:fld>
             <a:endParaRPr lang="en-US"/>
           </a:p>
@@ -471,7 +471,7 @@
           <a:p>
             <a:fld id="{4572F63B-EF0F-9942-98B2-F67CC88AF236}" type="datetimeFigureOut">
               <a:rPr lang="en-US" smtClean="0"/>
-              <a:t>2/14/2021</a:t>
+              <a:t>2/15/2021</a:t>
             </a:fld>
             <a:endParaRPr lang="en-US"/>
           </a:p>
@@ -1695,7 +1695,7 @@
               </a14:hiddenLine>
             </a:ext>
             <a:ext uri="{FAA26D3D-D897-4be2-8F04-BA451C77F1D7}">
-              <ma14:placeholderFlag xmlns:ma14="http://schemas.microsoft.com/office/mac/drawingml/2011/main" xmlns="" val="1"/>
+              <ma14:placeholderFlag xmlns="" xmlns:ma14="http://schemas.microsoft.com/office/mac/drawingml/2011/main" val="1"/>
             </a:ext>
           </a:extLst>
         </p:spPr>
@@ -1949,7 +1949,7 @@
               </a14:hiddenLine>
             </a:ext>
             <a:ext uri="{FAA26D3D-D897-4be2-8F04-BA451C77F1D7}">
-              <ma14:placeholderFlag xmlns:ma14="http://schemas.microsoft.com/office/mac/drawingml/2011/main" xmlns="" val="1"/>
+              <ma14:placeholderFlag xmlns="" xmlns:ma14="http://schemas.microsoft.com/office/mac/drawingml/2011/main" val="1"/>
             </a:ext>
           </a:extLst>
         </p:spPr>
@@ -2203,7 +2203,7 @@
               </a14:hiddenLine>
             </a:ext>
             <a:ext uri="{FAA26D3D-D897-4be2-8F04-BA451C77F1D7}">
-              <ma14:placeholderFlag xmlns:ma14="http://schemas.microsoft.com/office/mac/drawingml/2011/main" xmlns="" val="1"/>
+              <ma14:placeholderFlag xmlns="" xmlns:ma14="http://schemas.microsoft.com/office/mac/drawingml/2011/main" val="1"/>
             </a:ext>
           </a:extLst>
         </p:spPr>
@@ -2752,7 +2752,7 @@
               </a14:hiddenLine>
             </a:ext>
             <a:ext uri="{FAA26D3D-D897-4be2-8F04-BA451C77F1D7}">
-              <ma14:placeholderFlag xmlns:ma14="http://schemas.microsoft.com/office/mac/drawingml/2011/main" xmlns="" val="1"/>
+              <ma14:placeholderFlag xmlns="" xmlns:ma14="http://schemas.microsoft.com/office/mac/drawingml/2011/main" val="1"/>
             </a:ext>
           </a:extLst>
         </p:spPr>
@@ -5347,14 +5347,14 @@
           </a:ln>
           <a:extLst>
             <a:ext uri="{909E8E84-426E-40dd-AFC4-6F175D3DCCD1}">
-              <a14:hiddenFill xmlns:a14="http://schemas.microsoft.com/office/drawing/2010/main" xmlns="">
+              <a14:hiddenFill xmlns="" xmlns:a14="http://schemas.microsoft.com/office/drawing/2010/main">
                 <a:solidFill>
                   <a:schemeClr val="accent1"/>
                 </a:solidFill>
               </a14:hiddenFill>
             </a:ext>
             <a:ext uri="{91240B29-F687-4f45-9708-019B960494DF}">
-              <a14:hiddenLine xmlns:a14="http://schemas.microsoft.com/office/drawing/2010/main" xmlns="" w="9525">
+              <a14:hiddenLine xmlns="" xmlns:a14="http://schemas.microsoft.com/office/drawing/2010/main" w="9525">
                 <a:solidFill>
                   <a:schemeClr val="tx1"/>
                 </a:solidFill>
@@ -6265,7 +6265,7 @@
           <p:nvPr>
             <p:extLst>
               <p:ext uri="{D42A27DB-BD31-4B8C-83A1-F6EECF244321}">
-                <p14:modId xmlns:p14="http://schemas.microsoft.com/office/powerpoint/2010/main" val="1470984520"/>
+                <p14:modId xmlns:p14="http://schemas.microsoft.com/office/powerpoint/2010/main" val="1993708017"/>
               </p:ext>
             </p:extLst>
           </p:nvPr>
@@ -6328,7 +6328,7 @@
           <p:nvPr>
             <p:extLst>
               <p:ext uri="{D42A27DB-BD31-4B8C-83A1-F6EECF244321}">
-                <p14:modId xmlns:p14="http://schemas.microsoft.com/office/powerpoint/2010/main" val="2721481489"/>
+                <p14:modId xmlns:p14="http://schemas.microsoft.com/office/powerpoint/2010/main" val="2928204829"/>
               </p:ext>
             </p:extLst>
           </p:nvPr>
@@ -6391,7 +6391,7 @@
           <p:nvPr>
             <p:extLst>
               <p:ext uri="{D42A27DB-BD31-4B8C-83A1-F6EECF244321}">
-                <p14:modId xmlns:p14="http://schemas.microsoft.com/office/powerpoint/2010/main" val="215054255"/>
+                <p14:modId xmlns:p14="http://schemas.microsoft.com/office/powerpoint/2010/main" val="2859078622"/>
               </p:ext>
             </p:extLst>
           </p:nvPr>
@@ -6515,7 +6515,7 @@
           <p:nvPr>
             <p:extLst>
               <p:ext uri="{D42A27DB-BD31-4B8C-83A1-F6EECF244321}">
-                <p14:modId xmlns:p14="http://schemas.microsoft.com/office/powerpoint/2010/main" val="59443849"/>
+                <p14:modId xmlns:p14="http://schemas.microsoft.com/office/powerpoint/2010/main" val="2798447875"/>
               </p:ext>
             </p:extLst>
           </p:nvPr>
@@ -6634,7 +6634,7 @@
           <p:nvPr>
             <p:extLst>
               <p:ext uri="{D42A27DB-BD31-4B8C-83A1-F6EECF244321}">
-                <p14:modId xmlns:p14="http://schemas.microsoft.com/office/powerpoint/2010/main" val="3066123966"/>
+                <p14:modId xmlns:p14="http://schemas.microsoft.com/office/powerpoint/2010/main" val="2618321217"/>
               </p:ext>
             </p:extLst>
           </p:nvPr>
@@ -6753,7 +6753,7 @@
           <p:nvPr>
             <p:extLst>
               <p:ext uri="{D42A27DB-BD31-4B8C-83A1-F6EECF244321}">
-                <p14:modId xmlns:p14="http://schemas.microsoft.com/office/powerpoint/2010/main" val="1836957948"/>
+                <p14:modId xmlns:p14="http://schemas.microsoft.com/office/powerpoint/2010/main" val="1772466413"/>
               </p:ext>
             </p:extLst>
           </p:nvPr>
@@ -6880,7 +6880,7 @@
           <p:nvPr>
             <p:extLst>
               <p:ext uri="{D42A27DB-BD31-4B8C-83A1-F6EECF244321}">
-                <p14:modId xmlns:p14="http://schemas.microsoft.com/office/powerpoint/2010/main" val="3591150476"/>
+                <p14:modId xmlns:p14="http://schemas.microsoft.com/office/powerpoint/2010/main" val="2784539935"/>
               </p:ext>
             </p:extLst>
           </p:nvPr>
@@ -7004,7 +7004,7 @@
           <p:nvPr>
             <p:extLst>
               <p:ext uri="{D42A27DB-BD31-4B8C-83A1-F6EECF244321}">
-                <p14:modId xmlns:p14="http://schemas.microsoft.com/office/powerpoint/2010/main" val="3050471189"/>
+                <p14:modId xmlns:p14="http://schemas.microsoft.com/office/powerpoint/2010/main" val="123306947"/>
               </p:ext>
             </p:extLst>
           </p:nvPr>
@@ -16740,7 +16740,7 @@
           <p:nvPr>
             <p:extLst>
               <p:ext uri="{D42A27DB-BD31-4B8C-83A1-F6EECF244321}">
-                <p14:modId xmlns:p14="http://schemas.microsoft.com/office/powerpoint/2010/main" val="1473307007"/>
+                <p14:modId xmlns:p14="http://schemas.microsoft.com/office/powerpoint/2010/main" val="2620078188"/>
               </p:ext>
             </p:extLst>
           </p:nvPr>
@@ -16753,12 +16753,12 @@
           <a:graphicData uri="http://schemas.openxmlformats.org/presentationml/2006/ole">
             <mc:AlternateContent xmlns:mc="http://schemas.openxmlformats.org/markup-compatibility/2006">
               <mc:Choice xmlns:v="urn:schemas-microsoft-com:vml" Requires="v">
-                <p:oleObj name="Macro-Enabled Worksheet" r:id="rId3" imgW="8407504" imgH="997112" progId="Excel.SheetMacroEnabled.12">
+                <p:oleObj name="Macro-Enabled Worksheet" r:id="rId3" imgW="8407504" imgH="1371600" progId="Excel.SheetMacroEnabled.12">
                   <p:link updateAutomatic="1"/>
                 </p:oleObj>
               </mc:Choice>
               <mc:Fallback>
-                <p:oleObj name="Macro-Enabled Worksheet" r:id="rId3" imgW="8407504" imgH="997112" progId="Excel.SheetMacroEnabled.12">
+                <p:oleObj name="Macro-Enabled Worksheet" r:id="rId3" imgW="8407504" imgH="1371600" progId="Excel.SheetMacroEnabled.12">
                   <p:link updateAutomatic="1"/>
                   <p:pic>
                     <p:nvPicPr>
@@ -16866,7 +16866,7 @@
           <p:nvPr>
             <p:extLst>
               <p:ext uri="{D42A27DB-BD31-4B8C-83A1-F6EECF244321}">
-                <p14:modId xmlns:p14="http://schemas.microsoft.com/office/powerpoint/2010/main" val="3316009124"/>
+                <p14:modId xmlns:p14="http://schemas.microsoft.com/office/powerpoint/2010/main" val="203402411"/>
               </p:ext>
             </p:extLst>
           </p:nvPr>
@@ -17370,7 +17370,7 @@
           <p:nvPr>
             <p:extLst>
               <p:ext uri="{D42A27DB-BD31-4B8C-83A1-F6EECF244321}">
-                <p14:modId xmlns:p14="http://schemas.microsoft.com/office/powerpoint/2010/main" val="4034631994"/>
+                <p14:modId xmlns:p14="http://schemas.microsoft.com/office/powerpoint/2010/main" val="2105253068"/>
               </p:ext>
             </p:extLst>
           </p:nvPr>
@@ -17576,7 +17576,7 @@
           <p:nvPr>
             <p:extLst>
               <p:ext uri="{D42A27DB-BD31-4B8C-83A1-F6EECF244321}">
-                <p14:modId xmlns:p14="http://schemas.microsoft.com/office/powerpoint/2010/main" val="1827323126"/>
+                <p14:modId xmlns:p14="http://schemas.microsoft.com/office/powerpoint/2010/main" val="2909223472"/>
               </p:ext>
             </p:extLst>
           </p:nvPr>
@@ -17697,7 +17697,7 @@
           <p:nvPr>
             <p:extLst>
               <p:ext uri="{D42A27DB-BD31-4B8C-83A1-F6EECF244321}">
-                <p14:modId xmlns:p14="http://schemas.microsoft.com/office/powerpoint/2010/main" val="1399967457"/>
+                <p14:modId xmlns:p14="http://schemas.microsoft.com/office/powerpoint/2010/main" val="1651610969"/>
               </p:ext>
             </p:extLst>
           </p:nvPr>
@@ -18668,7 +18668,7 @@
           <p:nvPr>
             <p:extLst>
               <p:ext uri="{D42A27DB-BD31-4B8C-83A1-F6EECF244321}">
-                <p14:modId xmlns:p14="http://schemas.microsoft.com/office/powerpoint/2010/main" val="2760083712"/>
+                <p14:modId xmlns:p14="http://schemas.microsoft.com/office/powerpoint/2010/main" val="1861065341"/>
               </p:ext>
             </p:extLst>
           </p:nvPr>
@@ -18786,7 +18786,7 @@
           <p:nvPr>
             <p:extLst>
               <p:ext uri="{D42A27DB-BD31-4B8C-83A1-F6EECF244321}">
-                <p14:modId xmlns:p14="http://schemas.microsoft.com/office/powerpoint/2010/main" val="1786408508"/>
+                <p14:modId xmlns:p14="http://schemas.microsoft.com/office/powerpoint/2010/main" val="238267079"/>
               </p:ext>
             </p:extLst>
           </p:nvPr>
@@ -19199,14 +19199,14 @@
           </a:ln>
           <a:extLst>
             <a:ext uri="{909E8E84-426E-40dd-AFC4-6F175D3DCCD1}">
-              <a14:hiddenFill xmlns:a14="http://schemas.microsoft.com/office/drawing/2010/main" xmlns="">
+              <a14:hiddenFill xmlns="" xmlns:a14="http://schemas.microsoft.com/office/drawing/2010/main">
                 <a:solidFill>
                   <a:srgbClr val="FFFFFF"/>
                 </a:solidFill>
               </a14:hiddenFill>
             </a:ext>
             <a:ext uri="{91240B29-F687-4f45-9708-019B960494DF}">
-              <a14:hiddenLine xmlns:a14="http://schemas.microsoft.com/office/drawing/2010/main" xmlns="" w="9525">
+              <a14:hiddenLine xmlns="" xmlns:a14="http://schemas.microsoft.com/office/drawing/2010/main" w="9525">
                 <a:solidFill>
                   <a:srgbClr val="000000"/>
                 </a:solidFill>
@@ -19425,14 +19425,14 @@
           </a:ln>
           <a:extLst>
             <a:ext uri="{909E8E84-426E-40dd-AFC4-6F175D3DCCD1}">
-              <a14:hiddenFill xmlns:a14="http://schemas.microsoft.com/office/drawing/2010/main" xmlns="">
+              <a14:hiddenFill xmlns="" xmlns:a14="http://schemas.microsoft.com/office/drawing/2010/main">
                 <a:solidFill>
                   <a:srgbClr val="FFFFFF"/>
                 </a:solidFill>
               </a14:hiddenFill>
             </a:ext>
             <a:ext uri="{91240B29-F687-4f45-9708-019B960494DF}">
-              <a14:hiddenLine xmlns:a14="http://schemas.microsoft.com/office/drawing/2010/main" xmlns="" w="9525">
+              <a14:hiddenLine xmlns="" xmlns:a14="http://schemas.microsoft.com/office/drawing/2010/main" w="9525">
                 <a:solidFill>
                   <a:srgbClr val="000000"/>
                 </a:solidFill>
@@ -19653,7 +19653,7 @@
           <p:nvPr>
             <p:extLst>
               <p:ext uri="{D42A27DB-BD31-4B8C-83A1-F6EECF244321}">
-                <p14:modId xmlns:p14="http://schemas.microsoft.com/office/powerpoint/2010/main" val="1932831393"/>
+                <p14:modId xmlns:p14="http://schemas.microsoft.com/office/powerpoint/2010/main" val="3185830305"/>
               </p:ext>
             </p:extLst>
           </p:nvPr>
@@ -19944,7 +19944,7 @@
           <p:nvPr>
             <p:extLst>
               <p:ext uri="{D42A27DB-BD31-4B8C-83A1-F6EECF244321}">
-                <p14:modId xmlns:p14="http://schemas.microsoft.com/office/powerpoint/2010/main" val="2359808134"/>
+                <p14:modId xmlns:p14="http://schemas.microsoft.com/office/powerpoint/2010/main" val="2650508607"/>
               </p:ext>
             </p:extLst>
           </p:nvPr>
@@ -20332,7 +20332,7 @@
           <p:nvPr>
             <p:extLst>
               <p:ext uri="{D42A27DB-BD31-4B8C-83A1-F6EECF244321}">
-                <p14:modId xmlns:p14="http://schemas.microsoft.com/office/powerpoint/2010/main" val="2126284096"/>
+                <p14:modId xmlns:p14="http://schemas.microsoft.com/office/powerpoint/2010/main" val="364768853"/>
               </p:ext>
             </p:extLst>
           </p:nvPr>
@@ -20456,7 +20456,7 @@
           <p:nvPr>
             <p:extLst>
               <p:ext uri="{D42A27DB-BD31-4B8C-83A1-F6EECF244321}">
-                <p14:modId xmlns:p14="http://schemas.microsoft.com/office/powerpoint/2010/main" val="3771277716"/>
+                <p14:modId xmlns:p14="http://schemas.microsoft.com/office/powerpoint/2010/main" val="1610116527"/>
               </p:ext>
             </p:extLst>
           </p:nvPr>
@@ -21403,18 +21403,18 @@
 </file>
 
 <file path=customXml/item1.xml><?xml version="1.0" encoding="utf-8"?>
+<p:properties xmlns:p="http://schemas.microsoft.com/office/2006/metadata/properties" xmlns:xsi="http://www.w3.org/2001/XMLSchema-instance" xmlns:pc="http://schemas.microsoft.com/office/infopath/2007/PartnerControls">
+  <documentManagement/>
+</p:properties>
+</file>
+
+<file path=customXml/item2.xml><?xml version="1.0" encoding="utf-8"?>
 <?mso-contentType ?>
 <FormTemplates xmlns="http://schemas.microsoft.com/sharepoint/v3/contenttype/forms">
   <Display>DocumentLibraryForm</Display>
   <Edit>DocumentLibraryForm</Edit>
   <New>DocumentLibraryForm</New>
 </FormTemplates>
-</file>
-
-<file path=customXml/item2.xml><?xml version="1.0" encoding="utf-8"?>
-<p:properties xmlns:p="http://schemas.microsoft.com/office/2006/metadata/properties" xmlns:xsi="http://www.w3.org/2001/XMLSchema-instance" xmlns:pc="http://schemas.microsoft.com/office/infopath/2007/PartnerControls">
-  <documentManagement/>
-</p:properties>
 </file>
 
 <file path=customXml/item3.xml><?xml version="1.0" encoding="utf-8"?>
@@ -21629,14 +21629,6 @@
 </file>
 
 <file path=customXml/itemProps1.xml><?xml version="1.0" encoding="utf-8"?>
-<ds:datastoreItem xmlns:ds="http://schemas.openxmlformats.org/officeDocument/2006/customXml" ds:itemID="{B8B49826-D5EE-4D24-B649-7C3A19B527D2}">
-  <ds:schemaRefs>
-    <ds:schemaRef ds:uri="http://schemas.microsoft.com/sharepoint/v3/contenttype/forms"/>
-  </ds:schemaRefs>
-</ds:datastoreItem>
-</file>
-
-<file path=customXml/itemProps2.xml><?xml version="1.0" encoding="utf-8"?>
 <ds:datastoreItem xmlns:ds="http://schemas.openxmlformats.org/officeDocument/2006/customXml" ds:itemID="{5F07B0D7-F930-4230-933E-ABA84959494E}">
   <ds:schemaRefs>
     <ds:schemaRef ds:uri="http://purl.org/dc/elements/1.1/"/>
@@ -21649,6 +21641,14 @@
     <ds:schemaRef ds:uri="ec500478-62e0-46fc-87f1-cfa988e486b4"/>
     <ds:schemaRef ds:uri="http://www.w3.org/XML/1998/namespace"/>
     <ds:schemaRef ds:uri="http://purl.org/dc/terms/"/>
+  </ds:schemaRefs>
+</ds:datastoreItem>
+</file>
+
+<file path=customXml/itemProps2.xml><?xml version="1.0" encoding="utf-8"?>
+<ds:datastoreItem xmlns:ds="http://schemas.openxmlformats.org/officeDocument/2006/customXml" ds:itemID="{B8B49826-D5EE-4D24-B649-7C3A19B527D2}">
+  <ds:schemaRefs>
+    <ds:schemaRef ds:uri="http://schemas.microsoft.com/sharepoint/v3/contenttype/forms"/>
   </ds:schemaRefs>
 </ds:datastoreItem>
 </file>

--- a/2021-04-12to04-16 (A5) C53517 SoftMARS/30_03v01_MarsBaseAlpha_FinalFindings.pptx
+++ b/2021-04-12to04-16 (A5) C53517 SoftMARS/30_03v01_MarsBaseAlpha_FinalFindings.pptx
@@ -294,7 +294,7 @@
           <a:p>
             <a:fld id="{F319E496-E8FF-4856-B08F-DBE14D18B236}" type="datetimeFigureOut">
               <a:rPr lang="en-US" smtClean="0"/>
-              <a:t>2/15/2021</a:t>
+              <a:t>2/26/2021</a:t>
             </a:fld>
             <a:endParaRPr lang="en-US"/>
           </a:p>
@@ -471,7 +471,7 @@
           <a:p>
             <a:fld id="{4572F63B-EF0F-9942-98B2-F67CC88AF236}" type="datetimeFigureOut">
               <a:rPr lang="en-US" smtClean="0"/>
-              <a:t>2/15/2021</a:t>
+              <a:t>2/26/2021</a:t>
             </a:fld>
             <a:endParaRPr lang="en-US"/>
           </a:p>
@@ -6265,7 +6265,7 @@
           <p:nvPr>
             <p:extLst>
               <p:ext uri="{D42A27DB-BD31-4B8C-83A1-F6EECF244321}">
-                <p14:modId xmlns:p14="http://schemas.microsoft.com/office/powerpoint/2010/main" val="1993708017"/>
+                <p14:modId xmlns:p14="http://schemas.microsoft.com/office/powerpoint/2010/main" val="2345219218"/>
               </p:ext>
             </p:extLst>
           </p:nvPr>
@@ -6328,7 +6328,7 @@
           <p:nvPr>
             <p:extLst>
               <p:ext uri="{D42A27DB-BD31-4B8C-83A1-F6EECF244321}">
-                <p14:modId xmlns:p14="http://schemas.microsoft.com/office/powerpoint/2010/main" val="2928204829"/>
+                <p14:modId xmlns:p14="http://schemas.microsoft.com/office/powerpoint/2010/main" val="1004661909"/>
               </p:ext>
             </p:extLst>
           </p:nvPr>
@@ -6391,7 +6391,7 @@
           <p:nvPr>
             <p:extLst>
               <p:ext uri="{D42A27DB-BD31-4B8C-83A1-F6EECF244321}">
-                <p14:modId xmlns:p14="http://schemas.microsoft.com/office/powerpoint/2010/main" val="2859078622"/>
+                <p14:modId xmlns:p14="http://schemas.microsoft.com/office/powerpoint/2010/main" val="834787773"/>
               </p:ext>
             </p:extLst>
           </p:nvPr>
@@ -6515,7 +6515,7 @@
           <p:nvPr>
             <p:extLst>
               <p:ext uri="{D42A27DB-BD31-4B8C-83A1-F6EECF244321}">
-                <p14:modId xmlns:p14="http://schemas.microsoft.com/office/powerpoint/2010/main" val="2798447875"/>
+                <p14:modId xmlns:p14="http://schemas.microsoft.com/office/powerpoint/2010/main" val="986277797"/>
               </p:ext>
             </p:extLst>
           </p:nvPr>
@@ -6634,7 +6634,7 @@
           <p:nvPr>
             <p:extLst>
               <p:ext uri="{D42A27DB-BD31-4B8C-83A1-F6EECF244321}">
-                <p14:modId xmlns:p14="http://schemas.microsoft.com/office/powerpoint/2010/main" val="2618321217"/>
+                <p14:modId xmlns:p14="http://schemas.microsoft.com/office/powerpoint/2010/main" val="3160870564"/>
               </p:ext>
             </p:extLst>
           </p:nvPr>
@@ -6753,7 +6753,7 @@
           <p:nvPr>
             <p:extLst>
               <p:ext uri="{D42A27DB-BD31-4B8C-83A1-F6EECF244321}">
-                <p14:modId xmlns:p14="http://schemas.microsoft.com/office/powerpoint/2010/main" val="1772466413"/>
+                <p14:modId xmlns:p14="http://schemas.microsoft.com/office/powerpoint/2010/main" val="2245331282"/>
               </p:ext>
             </p:extLst>
           </p:nvPr>
@@ -6880,7 +6880,7 @@
           <p:nvPr>
             <p:extLst>
               <p:ext uri="{D42A27DB-BD31-4B8C-83A1-F6EECF244321}">
-                <p14:modId xmlns:p14="http://schemas.microsoft.com/office/powerpoint/2010/main" val="2784539935"/>
+                <p14:modId xmlns:p14="http://schemas.microsoft.com/office/powerpoint/2010/main" val="4148746940"/>
               </p:ext>
             </p:extLst>
           </p:nvPr>
@@ -7004,7 +7004,7 @@
           <p:nvPr>
             <p:extLst>
               <p:ext uri="{D42A27DB-BD31-4B8C-83A1-F6EECF244321}">
-                <p14:modId xmlns:p14="http://schemas.microsoft.com/office/powerpoint/2010/main" val="123306947"/>
+                <p14:modId xmlns:p14="http://schemas.microsoft.com/office/powerpoint/2010/main" val="3197190393"/>
               </p:ext>
             </p:extLst>
           </p:nvPr>
@@ -16740,7 +16740,7 @@
           <p:nvPr>
             <p:extLst>
               <p:ext uri="{D42A27DB-BD31-4B8C-83A1-F6EECF244321}">
-                <p14:modId xmlns:p14="http://schemas.microsoft.com/office/powerpoint/2010/main" val="2620078188"/>
+                <p14:modId xmlns:p14="http://schemas.microsoft.com/office/powerpoint/2010/main" val="3486430818"/>
               </p:ext>
             </p:extLst>
           </p:nvPr>
@@ -16753,12 +16753,12 @@
           <a:graphicData uri="http://schemas.openxmlformats.org/presentationml/2006/ole">
             <mc:AlternateContent xmlns:mc="http://schemas.openxmlformats.org/markup-compatibility/2006">
               <mc:Choice xmlns:v="urn:schemas-microsoft-com:vml" Requires="v">
-                <p:oleObj name="Macro-Enabled Worksheet" r:id="rId3" imgW="8407504" imgH="1371600" progId="Excel.SheetMacroEnabled.12">
+                <p:oleObj name="Macro-Enabled Worksheet" r:id="rId3" imgW="8407504" imgH="1206592" progId="Excel.SheetMacroEnabled.12">
                   <p:link updateAutomatic="1"/>
                 </p:oleObj>
               </mc:Choice>
               <mc:Fallback>
-                <p:oleObj name="Macro-Enabled Worksheet" r:id="rId3" imgW="8407504" imgH="1371600" progId="Excel.SheetMacroEnabled.12">
+                <p:oleObj name="Macro-Enabled Worksheet" r:id="rId3" imgW="8407504" imgH="1206592" progId="Excel.SheetMacroEnabled.12">
                   <p:link updateAutomatic="1"/>
                   <p:pic>
                     <p:nvPicPr>
@@ -16866,7 +16866,7 @@
           <p:nvPr>
             <p:extLst>
               <p:ext uri="{D42A27DB-BD31-4B8C-83A1-F6EECF244321}">
-                <p14:modId xmlns:p14="http://schemas.microsoft.com/office/powerpoint/2010/main" val="203402411"/>
+                <p14:modId xmlns:p14="http://schemas.microsoft.com/office/powerpoint/2010/main" val="2139362679"/>
               </p:ext>
             </p:extLst>
           </p:nvPr>
@@ -17370,7 +17370,7 @@
           <p:nvPr>
             <p:extLst>
               <p:ext uri="{D42A27DB-BD31-4B8C-83A1-F6EECF244321}">
-                <p14:modId xmlns:p14="http://schemas.microsoft.com/office/powerpoint/2010/main" val="2105253068"/>
+                <p14:modId xmlns:p14="http://schemas.microsoft.com/office/powerpoint/2010/main" val="3787391716"/>
               </p:ext>
             </p:extLst>
           </p:nvPr>
@@ -17576,7 +17576,7 @@
           <p:nvPr>
             <p:extLst>
               <p:ext uri="{D42A27DB-BD31-4B8C-83A1-F6EECF244321}">
-                <p14:modId xmlns:p14="http://schemas.microsoft.com/office/powerpoint/2010/main" val="2909223472"/>
+                <p14:modId xmlns:p14="http://schemas.microsoft.com/office/powerpoint/2010/main" val="1199824659"/>
               </p:ext>
             </p:extLst>
           </p:nvPr>
@@ -17697,7 +17697,7 @@
           <p:nvPr>
             <p:extLst>
               <p:ext uri="{D42A27DB-BD31-4B8C-83A1-F6EECF244321}">
-                <p14:modId xmlns:p14="http://schemas.microsoft.com/office/powerpoint/2010/main" val="1651610969"/>
+                <p14:modId xmlns:p14="http://schemas.microsoft.com/office/powerpoint/2010/main" val="1158070616"/>
               </p:ext>
             </p:extLst>
           </p:nvPr>
@@ -18668,7 +18668,7 @@
           <p:nvPr>
             <p:extLst>
               <p:ext uri="{D42A27DB-BD31-4B8C-83A1-F6EECF244321}">
-                <p14:modId xmlns:p14="http://schemas.microsoft.com/office/powerpoint/2010/main" val="1861065341"/>
+                <p14:modId xmlns:p14="http://schemas.microsoft.com/office/powerpoint/2010/main" val="2457676422"/>
               </p:ext>
             </p:extLst>
           </p:nvPr>
@@ -18786,7 +18786,7 @@
           <p:nvPr>
             <p:extLst>
               <p:ext uri="{D42A27DB-BD31-4B8C-83A1-F6EECF244321}">
-                <p14:modId xmlns:p14="http://schemas.microsoft.com/office/powerpoint/2010/main" val="238267079"/>
+                <p14:modId xmlns:p14="http://schemas.microsoft.com/office/powerpoint/2010/main" val="1572460963"/>
               </p:ext>
             </p:extLst>
           </p:nvPr>
@@ -19653,7 +19653,7 @@
           <p:nvPr>
             <p:extLst>
               <p:ext uri="{D42A27DB-BD31-4B8C-83A1-F6EECF244321}">
-                <p14:modId xmlns:p14="http://schemas.microsoft.com/office/powerpoint/2010/main" val="3185830305"/>
+                <p14:modId xmlns:p14="http://schemas.microsoft.com/office/powerpoint/2010/main" val="2652072867"/>
               </p:ext>
             </p:extLst>
           </p:nvPr>
@@ -19944,7 +19944,7 @@
           <p:nvPr>
             <p:extLst>
               <p:ext uri="{D42A27DB-BD31-4B8C-83A1-F6EECF244321}">
-                <p14:modId xmlns:p14="http://schemas.microsoft.com/office/powerpoint/2010/main" val="2650508607"/>
+                <p14:modId xmlns:p14="http://schemas.microsoft.com/office/powerpoint/2010/main" val="3472201540"/>
               </p:ext>
             </p:extLst>
           </p:nvPr>
@@ -20332,7 +20332,7 @@
           <p:nvPr>
             <p:extLst>
               <p:ext uri="{D42A27DB-BD31-4B8C-83A1-F6EECF244321}">
-                <p14:modId xmlns:p14="http://schemas.microsoft.com/office/powerpoint/2010/main" val="364768853"/>
+                <p14:modId xmlns:p14="http://schemas.microsoft.com/office/powerpoint/2010/main" val="1427676472"/>
               </p:ext>
             </p:extLst>
           </p:nvPr>
@@ -20456,7 +20456,7 @@
           <p:nvPr>
             <p:extLst>
               <p:ext uri="{D42A27DB-BD31-4B8C-83A1-F6EECF244321}">
-                <p14:modId xmlns:p14="http://schemas.microsoft.com/office/powerpoint/2010/main" val="1610116527"/>
+                <p14:modId xmlns:p14="http://schemas.microsoft.com/office/powerpoint/2010/main" val="1469469703"/>
               </p:ext>
             </p:extLst>
           </p:nvPr>
